--- a/FYP poster.pptx
+++ b/FYP poster.pptx
@@ -1877,12 +1877,24 @@
           <a:p>
             <a:pPr defTabSz="4389438"/>
             <a:r>
+              <a:rPr lang="en-US" sz="4800" b="1" i="1" dirty="0" err="1"/>
+              <a:t>Name:M.Zaki</a:t>
+            </a:r>
+            <a:r>
               <a:rPr lang="en-US" sz="4800" b="1" i="1" dirty="0"/>
-              <a:t>M.Zaki </a:t>
+              <a:t> Al Akkari-K00233639 </a:t>
+            </a:r>
+            <a:r>
+              <a:rPr lang="en-US" sz="4800" b="1" i="1" dirty="0" err="1"/>
+              <a:t>Supervisor:McKinley</a:t>
+            </a:r>
+            <a:r>
+              <a:rPr lang="en-US" sz="4800" b="1" i="1" dirty="0"/>
+              <a:t> </a:t>
             </a:r>
             <a:r>
               <a:rPr lang="en-US" sz="4800" b="1" i="1"/>
-              <a:t>Al Akkari</a:t>
+              <a:t>Magale</a:t>
             </a:r>
             <a:endParaRPr lang="en-US" dirty="0"/>
           </a:p>
